--- a/Investigation/Data Control-Security.pptx
+++ b/Investigation/Data Control-Security.pptx
@@ -5,7 +5,7 @@
     <p:sldMasterId id="2147483648" r:id="rId1"/>
   </p:sldMasterIdLst>
   <p:notesMasterIdLst>
-    <p:notesMasterId r:id="rId12"/>
+    <p:notesMasterId r:id="rId14"/>
   </p:notesMasterIdLst>
   <p:sldIdLst>
     <p:sldId id="256" r:id="rId2"/>
@@ -18,6 +18,8 @@
     <p:sldId id="267" r:id="rId9"/>
     <p:sldId id="270" r:id="rId10"/>
     <p:sldId id="269" r:id="rId11"/>
+    <p:sldId id="271" r:id="rId12"/>
+    <p:sldId id="272" r:id="rId13"/>
   </p:sldIdLst>
   <p:sldSz cx="9144000" cy="5143500" type="screen16x9"/>
   <p:notesSz cx="6858000" cy="9144000"/>
@@ -529,35 +531,9 @@
           <a:lstStyle/>
           <a:p>
             <a:r>
-              <a:rPr lang="en-US" sz="1200" kern="1200" dirty="0">
-                <a:solidFill>
-                  <a:schemeClr val="tx1"/>
-                </a:solidFill>
-                <a:effectLst/>
-                <a:latin typeface="+mn-lt"/>
-                <a:ea typeface="+mn-ea"/>
-                <a:cs typeface="+mn-cs"/>
-              </a:rPr>
-              <a:t>My obligation:</a:t>
-            </a:r>
-          </a:p>
-          <a:p>
-            <a:pPr lvl="1"/>
-            <a:r>
-              <a:rPr lang="en-US" sz="1200" kern="1200" dirty="0">
-                <a:solidFill>
-                  <a:schemeClr val="tx1"/>
-                </a:solidFill>
-                <a:effectLst/>
-                <a:latin typeface="+mn-lt"/>
-                <a:ea typeface="+mn-ea"/>
-                <a:cs typeface="+mn-cs"/>
-              </a:rPr>
-              <a:t>”Take reasonable security precautions and protections to ensure that persons not authorized to view the data do not gain access to the data, as outlined in the Data Sharing Agreement;”</a:t>
-            </a:r>
-          </a:p>
-          <a:p>
-            <a:endParaRPr lang="en-US" dirty="0"/>
+              <a:rPr lang="en-US" dirty="0"/>
+              <a:t>Not an expert!</a:t>
+            </a:r>
           </a:p>
         </p:txBody>
       </p:sp>
@@ -578,7 +554,7 @@
           <a:p>
             <a:fld id="{F5FE80BE-4CD7-488A-8C72-B80CE1FB67C9}" type="slidenum">
               <a:rPr lang="en-US" smtClean="0"/>
-              <a:t>4</a:t>
+              <a:t>1</a:t>
             </a:fld>
             <a:endParaRPr lang="en-US"/>
           </a:p>
@@ -587,7 +563,7 @@
     </p:spTree>
     <p:extLst>
       <p:ext uri="{BB962C8B-B14F-4D97-AF65-F5344CB8AC3E}">
-        <p14:creationId xmlns:p14="http://schemas.microsoft.com/office/powerpoint/2010/main" val="1134261370"/>
+        <p14:creationId xmlns:p14="http://schemas.microsoft.com/office/powerpoint/2010/main" val="2259440994"/>
       </p:ext>
     </p:extLst>
   </p:cSld>
@@ -643,79 +619,20 @@
           <a:p>
             <a:r>
               <a:rPr lang="en-US" dirty="0"/>
-              <a:t>TLS is </a:t>
-            </a:r>
-            <a:r>
-              <a:rPr lang="en-US" sz="1200" b="0" i="0" kern="1200" dirty="0">
-                <a:solidFill>
-                  <a:schemeClr val="tx1"/>
-                </a:solidFill>
-                <a:effectLst/>
-                <a:latin typeface="+mn-lt"/>
-                <a:ea typeface="+mn-ea"/>
-                <a:cs typeface="+mn-cs"/>
-              </a:rPr>
-              <a:t>Transport Layer Security</a:t>
-            </a:r>
-          </a:p>
-          <a:p>
-            <a:r>
-              <a:rPr lang="en-US" sz="1200" b="0" i="0" kern="1200" dirty="0">
-                <a:solidFill>
-                  <a:schemeClr val="tx1"/>
-                </a:solidFill>
-                <a:effectLst/>
-                <a:latin typeface="+mn-lt"/>
-                <a:ea typeface="+mn-ea"/>
-                <a:cs typeface="+mn-cs"/>
-              </a:rPr>
-              <a:t>SSL is Secure Sockets Layer, developed by Netscape</a:t>
-            </a:r>
-            <a:endParaRPr lang="en-US" dirty="0"/>
+              <a:t>non-profit literacy program</a:t>
+            </a:r>
           </a:p>
           <a:p>
             <a:r>
               <a:rPr lang="en-US" dirty="0"/>
-              <a:t>HTTPS uses TLS</a:t>
+              <a:t>One service provides books to children for summer reading. They get to select the books and they get them for free.</a:t>
             </a:r>
           </a:p>
           <a:p>
             <a:r>
               <a:rPr lang="en-US" dirty="0"/>
-              <a:t>SCP uses SSH (not SSL/TLS)  </a:t>
-            </a:r>
-          </a:p>
-          <a:p>
-            <a:endParaRPr lang="en-US" dirty="0"/>
-          </a:p>
-          <a:p>
-            <a:r>
-              <a:rPr lang="en-US" dirty="0"/>
-              <a:t>(difference between SSH and SSL/TLS: </a:t>
-            </a:r>
-            <a:r>
-              <a:rPr lang="en-US" dirty="0">
-                <a:hlinkClick r:id="rId3"/>
-              </a:rPr>
-              <a:t>https://www.jscape.com/blog/ssl-vs-ssh-simplified</a:t>
-            </a:r>
-            <a:r>
-              <a:rPr lang="en-US" dirty="0"/>
-              <a:t>)</a:t>
-            </a:r>
-          </a:p>
-          <a:p>
-            <a:r>
-              <a:rPr lang="en-US" dirty="0"/>
-              <a:t>TLS vs SSL: </a:t>
-            </a:r>
-            <a:r>
-              <a:rPr lang="en-US" dirty="0">
-                <a:hlinkClick r:id="rId4"/>
-              </a:rPr>
-              <a:t>https://www.hostingadvice.com/how-to/tls-vs-ssl/</a:t>
-            </a:r>
-            <a:endParaRPr lang="en-US" dirty="0"/>
+              <a:t>In exchange for the service, the Seattle Public School system provides access to testing student testing data.</a:t>
+            </a:r>
           </a:p>
         </p:txBody>
       </p:sp>
@@ -736,7 +653,7 @@
           <a:p>
             <a:fld id="{F5FE80BE-4CD7-488A-8C72-B80CE1FB67C9}" type="slidenum">
               <a:rPr lang="en-US" smtClean="0"/>
-              <a:t>5</a:t>
+              <a:t>2</a:t>
             </a:fld>
             <a:endParaRPr lang="en-US"/>
           </a:p>
@@ -745,7 +662,7 @@
     </p:spTree>
     <p:extLst>
       <p:ext uri="{BB962C8B-B14F-4D97-AF65-F5344CB8AC3E}">
-        <p14:creationId xmlns:p14="http://schemas.microsoft.com/office/powerpoint/2010/main" val="1344158537"/>
+        <p14:creationId xmlns:p14="http://schemas.microsoft.com/office/powerpoint/2010/main" val="1355669349"/>
       </p:ext>
     </p:extLst>
   </p:cSld>
@@ -799,108 +716,6 @@
           <a:bodyPr/>
           <a:lstStyle/>
           <a:p>
-            <a:r>
-              <a:rPr lang="en-US" sz="1200" b="0" i="0" kern="1200" dirty="0">
-                <a:solidFill>
-                  <a:schemeClr val="tx1"/>
-                </a:solidFill>
-                <a:effectLst/>
-                <a:latin typeface="+mn-lt"/>
-                <a:ea typeface="+mn-ea"/>
-                <a:cs typeface="+mn-cs"/>
-              </a:rPr>
-              <a:t>Name:  psycho Pig or </a:t>
-            </a:r>
-            <a:r>
-              <a:rPr lang="en-US" sz="1200" b="0" i="0" kern="1200" dirty="0" err="1">
-                <a:solidFill>
-                  <a:schemeClr val="tx1"/>
-                </a:solidFill>
-                <a:effectLst/>
-                <a:latin typeface="+mn-lt"/>
-                <a:ea typeface="+mn-ea"/>
-                <a:cs typeface="+mn-cs"/>
-              </a:rPr>
-              <a:t>psyco</a:t>
-            </a:r>
-            <a:r>
-              <a:rPr lang="en-US" sz="1200" b="0" i="0" kern="1200" dirty="0">
-                <a:solidFill>
-                  <a:schemeClr val="tx1"/>
-                </a:solidFill>
-                <a:effectLst/>
-                <a:latin typeface="+mn-lt"/>
-                <a:ea typeface="+mn-ea"/>
-                <a:cs typeface="+mn-cs"/>
-              </a:rPr>
-              <a:t> p g</a:t>
-            </a:r>
-          </a:p>
-          <a:p>
-            <a:r>
-              <a:rPr lang="en-US" sz="1200" b="0" i="0" kern="1200" dirty="0" err="1">
-                <a:solidFill>
-                  <a:schemeClr val="tx1"/>
-                </a:solidFill>
-                <a:effectLst/>
-                <a:latin typeface="+mn-lt"/>
-                <a:ea typeface="+mn-ea"/>
-                <a:cs typeface="+mn-cs"/>
-              </a:rPr>
-              <a:t>libpq</a:t>
-            </a:r>
-            <a:r>
-              <a:rPr lang="en-US" sz="1200" b="0" i="0" kern="1200" dirty="0">
-                <a:solidFill>
-                  <a:schemeClr val="tx1"/>
-                </a:solidFill>
-                <a:effectLst/>
-                <a:latin typeface="+mn-lt"/>
-                <a:ea typeface="+mn-ea"/>
-                <a:cs typeface="+mn-cs"/>
-              </a:rPr>
-              <a:t> is the </a:t>
-            </a:r>
-            <a:r>
-              <a:rPr lang="en-US" dirty="0"/>
-              <a:t>C</a:t>
-            </a:r>
-            <a:r>
-              <a:rPr lang="en-US" sz="1200" b="0" i="0" kern="1200" dirty="0">
-                <a:solidFill>
-                  <a:schemeClr val="tx1"/>
-                </a:solidFill>
-                <a:effectLst/>
-                <a:latin typeface="+mn-lt"/>
-                <a:ea typeface="+mn-ea"/>
-                <a:cs typeface="+mn-cs"/>
-              </a:rPr>
-              <a:t> application programmer's interface to PostgreSQL. </a:t>
-            </a:r>
-            <a:r>
-              <a:rPr lang="en-US" sz="1200" b="0" i="0" kern="1200" dirty="0" err="1">
-                <a:solidFill>
-                  <a:schemeClr val="tx1"/>
-                </a:solidFill>
-                <a:effectLst/>
-                <a:latin typeface="+mn-lt"/>
-                <a:ea typeface="+mn-ea"/>
-                <a:cs typeface="+mn-cs"/>
-              </a:rPr>
-              <a:t>libpq</a:t>
-            </a:r>
-            <a:r>
-              <a:rPr lang="en-US" sz="1200" b="0" i="0" kern="1200" dirty="0">
-                <a:solidFill>
-                  <a:schemeClr val="tx1"/>
-                </a:solidFill>
-                <a:effectLst/>
-                <a:latin typeface="+mn-lt"/>
-                <a:ea typeface="+mn-ea"/>
-                <a:cs typeface="+mn-cs"/>
-              </a:rPr>
-              <a:t> is a set of library functions that allow client programs to pass queries to the PostgreSQL backend server and to receive the results of these queries.</a:t>
-            </a:r>
             <a:endParaRPr lang="en-US" dirty="0"/>
           </a:p>
         </p:txBody>
@@ -922,7 +737,7 @@
           <a:p>
             <a:fld id="{F5FE80BE-4CD7-488A-8C72-B80CE1FB67C9}" type="slidenum">
               <a:rPr lang="en-US" smtClean="0"/>
-              <a:t>6</a:t>
+              <a:t>3</a:t>
             </a:fld>
             <a:endParaRPr lang="en-US"/>
           </a:p>
@@ -931,7 +746,7 @@
     </p:spTree>
     <p:extLst>
       <p:ext uri="{BB962C8B-B14F-4D97-AF65-F5344CB8AC3E}">
-        <p14:creationId xmlns:p14="http://schemas.microsoft.com/office/powerpoint/2010/main" val="2516043086"/>
+        <p14:creationId xmlns:p14="http://schemas.microsoft.com/office/powerpoint/2010/main" val="1643821118"/>
       </p:ext>
     </p:extLst>
   </p:cSld>
@@ -985,6 +800,35 @@
           <a:bodyPr/>
           <a:lstStyle/>
           <a:p>
+            <a:r>
+              <a:rPr lang="en-US" sz="1200" kern="1200" dirty="0">
+                <a:solidFill>
+                  <a:schemeClr val="tx1"/>
+                </a:solidFill>
+                <a:effectLst/>
+                <a:latin typeface="+mn-lt"/>
+                <a:ea typeface="+mn-ea"/>
+                <a:cs typeface="+mn-cs"/>
+              </a:rPr>
+              <a:t>My obligation:</a:t>
+            </a:r>
+          </a:p>
+          <a:p>
+            <a:pPr lvl="1"/>
+            <a:r>
+              <a:rPr lang="en-US" sz="1200" kern="1200" dirty="0">
+                <a:solidFill>
+                  <a:schemeClr val="tx1"/>
+                </a:solidFill>
+                <a:effectLst/>
+                <a:latin typeface="+mn-lt"/>
+                <a:ea typeface="+mn-ea"/>
+                <a:cs typeface="+mn-cs"/>
+              </a:rPr>
+              <a:t>”Take reasonable security precautions and protections to ensure that persons not authorized to view the data do not gain access to the data, as outlined in the Data Sharing Agreement;”</a:t>
+            </a:r>
+          </a:p>
+          <a:p>
             <a:endParaRPr lang="en-US" dirty="0"/>
           </a:p>
         </p:txBody>
@@ -1006,7 +850,7 @@
           <a:p>
             <a:fld id="{F5FE80BE-4CD7-488A-8C72-B80CE1FB67C9}" type="slidenum">
               <a:rPr lang="en-US" smtClean="0"/>
-              <a:t>7</a:t>
+              <a:t>4</a:t>
             </a:fld>
             <a:endParaRPr lang="en-US"/>
           </a:p>
@@ -1015,7 +859,7 @@
     </p:spTree>
     <p:extLst>
       <p:ext uri="{BB962C8B-B14F-4D97-AF65-F5344CB8AC3E}">
-        <p14:creationId xmlns:p14="http://schemas.microsoft.com/office/powerpoint/2010/main" val="16523977"/>
+        <p14:creationId xmlns:p14="http://schemas.microsoft.com/office/powerpoint/2010/main" val="1134261370"/>
       </p:ext>
     </p:extLst>
   </p:cSld>
@@ -1071,6 +915,448 @@
           <a:p>
             <a:r>
               <a:rPr lang="en-US" dirty="0"/>
+              <a:t>TLS is </a:t>
+            </a:r>
+            <a:r>
+              <a:rPr lang="en-US" sz="1200" b="0" i="0" kern="1200" dirty="0">
+                <a:solidFill>
+                  <a:schemeClr val="tx1"/>
+                </a:solidFill>
+                <a:effectLst/>
+                <a:latin typeface="+mn-lt"/>
+                <a:ea typeface="+mn-ea"/>
+                <a:cs typeface="+mn-cs"/>
+              </a:rPr>
+              <a:t>Transport Layer Security</a:t>
+            </a:r>
+          </a:p>
+          <a:p>
+            <a:r>
+              <a:rPr lang="en-US" sz="1200" b="0" i="0" kern="1200" dirty="0">
+                <a:solidFill>
+                  <a:schemeClr val="tx1"/>
+                </a:solidFill>
+                <a:effectLst/>
+                <a:latin typeface="+mn-lt"/>
+                <a:ea typeface="+mn-ea"/>
+                <a:cs typeface="+mn-cs"/>
+              </a:rPr>
+              <a:t>SSL is Secure Sockets Layer, developed by Netscape</a:t>
+            </a:r>
+          </a:p>
+          <a:p>
+            <a:r>
+              <a:rPr lang="en-US" sz="1200" b="0" i="0" kern="1200" dirty="0">
+                <a:solidFill>
+                  <a:schemeClr val="tx1"/>
+                </a:solidFill>
+                <a:effectLst/>
+                <a:latin typeface="+mn-lt"/>
+                <a:ea typeface="+mn-ea"/>
+                <a:cs typeface="+mn-cs"/>
+              </a:rPr>
+              <a:t>SSH is Secure Shell</a:t>
+            </a:r>
+            <a:endParaRPr lang="en-US" dirty="0"/>
+          </a:p>
+          <a:p>
+            <a:r>
+              <a:rPr lang="en-US" dirty="0"/>
+              <a:t>HTTPS uses TLS</a:t>
+            </a:r>
+          </a:p>
+          <a:p>
+            <a:r>
+              <a:rPr lang="en-US" dirty="0"/>
+              <a:t>SCP uses SSH (not SSL/TLS)  </a:t>
+            </a:r>
+          </a:p>
+          <a:p>
+            <a:endParaRPr lang="en-US" dirty="0"/>
+          </a:p>
+          <a:p>
+            <a:r>
+              <a:rPr lang="en-US" dirty="0"/>
+              <a:t>(difference between SSH and SSL/TLS: </a:t>
+            </a:r>
+            <a:r>
+              <a:rPr lang="en-US" dirty="0">
+                <a:hlinkClick r:id="rId3"/>
+              </a:rPr>
+              <a:t>https://www.jscape.com/blog/ssl-vs-ssh-simplified</a:t>
+            </a:r>
+            <a:r>
+              <a:rPr lang="en-US" dirty="0"/>
+              <a:t>)</a:t>
+            </a:r>
+          </a:p>
+          <a:p>
+            <a:r>
+              <a:rPr lang="en-US" dirty="0"/>
+              <a:t>TLS vs SSL: </a:t>
+            </a:r>
+            <a:r>
+              <a:rPr lang="en-US" dirty="0">
+                <a:hlinkClick r:id="rId4"/>
+              </a:rPr>
+              <a:t>https://www.hostingadvice.com/how-to/tls-vs-ssl/</a:t>
+            </a:r>
+            <a:endParaRPr lang="en-US" dirty="0"/>
+          </a:p>
+        </p:txBody>
+      </p:sp>
+      <p:sp>
+        <p:nvSpPr>
+          <p:cNvPr id="4" name="Slide Number Placeholder 3"/>
+          <p:cNvSpPr>
+            <a:spLocks noGrp="1"/>
+          </p:cNvSpPr>
+          <p:nvPr>
+            <p:ph type="sldNum" sz="quarter" idx="5"/>
+          </p:nvPr>
+        </p:nvSpPr>
+        <p:spPr/>
+        <p:txBody>
+          <a:bodyPr/>
+          <a:lstStyle/>
+          <a:p>
+            <a:fld id="{F5FE80BE-4CD7-488A-8C72-B80CE1FB67C9}" type="slidenum">
+              <a:rPr lang="en-US" smtClean="0"/>
+              <a:t>5</a:t>
+            </a:fld>
+            <a:endParaRPr lang="en-US"/>
+          </a:p>
+        </p:txBody>
+      </p:sp>
+    </p:spTree>
+    <p:extLst>
+      <p:ext uri="{BB962C8B-B14F-4D97-AF65-F5344CB8AC3E}">
+        <p14:creationId xmlns:p14="http://schemas.microsoft.com/office/powerpoint/2010/main" val="1344158537"/>
+      </p:ext>
+    </p:extLst>
+  </p:cSld>
+  <p:clrMapOvr>
+    <a:masterClrMapping/>
+  </p:clrMapOvr>
+</p:notes>
+</file>
+
+<file path=ppt/notesSlides/notesSlide6.xml><?xml version="1.0" encoding="utf-8"?>
+<p:notes xmlns:a="http://schemas.openxmlformats.org/drawingml/2006/main" xmlns:r="http://schemas.openxmlformats.org/officeDocument/2006/relationships" xmlns:p="http://schemas.openxmlformats.org/presentationml/2006/main">
+  <p:cSld>
+    <p:spTree>
+      <p:nvGrpSpPr>
+        <p:cNvPr id="1" name=""/>
+        <p:cNvGrpSpPr/>
+        <p:nvPr/>
+      </p:nvGrpSpPr>
+      <p:grpSpPr>
+        <a:xfrm>
+          <a:off x="0" y="0"/>
+          <a:ext cx="0" cy="0"/>
+          <a:chOff x="0" y="0"/>
+          <a:chExt cx="0" cy="0"/>
+        </a:xfrm>
+      </p:grpSpPr>
+      <p:sp>
+        <p:nvSpPr>
+          <p:cNvPr id="2" name="Slide Image Placeholder 1"/>
+          <p:cNvSpPr>
+            <a:spLocks noGrp="1" noRot="1" noChangeAspect="1"/>
+          </p:cNvSpPr>
+          <p:nvPr>
+            <p:ph type="sldImg"/>
+          </p:nvPr>
+        </p:nvSpPr>
+        <p:spPr/>
+      </p:sp>
+      <p:sp>
+        <p:nvSpPr>
+          <p:cNvPr id="3" name="Notes Placeholder 2"/>
+          <p:cNvSpPr>
+            <a:spLocks noGrp="1"/>
+          </p:cNvSpPr>
+          <p:nvPr>
+            <p:ph type="body" idx="1"/>
+          </p:nvPr>
+        </p:nvSpPr>
+        <p:spPr/>
+        <p:txBody>
+          <a:bodyPr/>
+          <a:lstStyle/>
+          <a:p>
+            <a:r>
+              <a:rPr lang="en-US" sz="1200" b="0" i="0" kern="1200" dirty="0">
+                <a:solidFill>
+                  <a:schemeClr val="tx1"/>
+                </a:solidFill>
+                <a:effectLst/>
+                <a:latin typeface="+mn-lt"/>
+                <a:ea typeface="+mn-ea"/>
+                <a:cs typeface="+mn-cs"/>
+              </a:rPr>
+              <a:t>Name:  psycho Pig or </a:t>
+            </a:r>
+            <a:r>
+              <a:rPr lang="en-US" sz="1200" b="0" i="0" kern="1200" dirty="0" err="1">
+                <a:solidFill>
+                  <a:schemeClr val="tx1"/>
+                </a:solidFill>
+                <a:effectLst/>
+                <a:latin typeface="+mn-lt"/>
+                <a:ea typeface="+mn-ea"/>
+                <a:cs typeface="+mn-cs"/>
+              </a:rPr>
+              <a:t>psyco</a:t>
+            </a:r>
+            <a:r>
+              <a:rPr lang="en-US" sz="1200" b="0" i="0" kern="1200" dirty="0">
+                <a:solidFill>
+                  <a:schemeClr val="tx1"/>
+                </a:solidFill>
+                <a:effectLst/>
+                <a:latin typeface="+mn-lt"/>
+                <a:ea typeface="+mn-ea"/>
+                <a:cs typeface="+mn-cs"/>
+              </a:rPr>
+              <a:t> p g</a:t>
+            </a:r>
+          </a:p>
+          <a:p>
+            <a:r>
+              <a:rPr lang="en-US" sz="1200" b="0" i="0" kern="1200" dirty="0" err="1">
+                <a:solidFill>
+                  <a:schemeClr val="tx1"/>
+                </a:solidFill>
+                <a:effectLst/>
+                <a:latin typeface="+mn-lt"/>
+                <a:ea typeface="+mn-ea"/>
+                <a:cs typeface="+mn-cs"/>
+              </a:rPr>
+              <a:t>libpq</a:t>
+            </a:r>
+            <a:r>
+              <a:rPr lang="en-US" sz="1200" b="0" i="0" kern="1200" dirty="0">
+                <a:solidFill>
+                  <a:schemeClr val="tx1"/>
+                </a:solidFill>
+                <a:effectLst/>
+                <a:latin typeface="+mn-lt"/>
+                <a:ea typeface="+mn-ea"/>
+                <a:cs typeface="+mn-cs"/>
+              </a:rPr>
+              <a:t> is the </a:t>
+            </a:r>
+            <a:r>
+              <a:rPr lang="en-US" dirty="0"/>
+              <a:t>C</a:t>
+            </a:r>
+            <a:r>
+              <a:rPr lang="en-US" sz="1200" b="0" i="0" kern="1200" dirty="0">
+                <a:solidFill>
+                  <a:schemeClr val="tx1"/>
+                </a:solidFill>
+                <a:effectLst/>
+                <a:latin typeface="+mn-lt"/>
+                <a:ea typeface="+mn-ea"/>
+                <a:cs typeface="+mn-cs"/>
+              </a:rPr>
+              <a:t> application programmer's interface to PostgreSQL. </a:t>
+            </a:r>
+            <a:r>
+              <a:rPr lang="en-US" sz="1200" b="0" i="0" kern="1200" dirty="0" err="1">
+                <a:solidFill>
+                  <a:schemeClr val="tx1"/>
+                </a:solidFill>
+                <a:effectLst/>
+                <a:latin typeface="+mn-lt"/>
+                <a:ea typeface="+mn-ea"/>
+                <a:cs typeface="+mn-cs"/>
+              </a:rPr>
+              <a:t>libpq</a:t>
+            </a:r>
+            <a:r>
+              <a:rPr lang="en-US" sz="1200" b="0" i="0" kern="1200" dirty="0">
+                <a:solidFill>
+                  <a:schemeClr val="tx1"/>
+                </a:solidFill>
+                <a:effectLst/>
+                <a:latin typeface="+mn-lt"/>
+                <a:ea typeface="+mn-ea"/>
+                <a:cs typeface="+mn-cs"/>
+              </a:rPr>
+              <a:t> is a set of library functions that allow client programs to pass queries to the PostgreSQL backend server and to receive the results of these queries.</a:t>
+            </a:r>
+            <a:endParaRPr lang="en-US" dirty="0"/>
+          </a:p>
+        </p:txBody>
+      </p:sp>
+      <p:sp>
+        <p:nvSpPr>
+          <p:cNvPr id="4" name="Slide Number Placeholder 3"/>
+          <p:cNvSpPr>
+            <a:spLocks noGrp="1"/>
+          </p:cNvSpPr>
+          <p:nvPr>
+            <p:ph type="sldNum" sz="quarter" idx="5"/>
+          </p:nvPr>
+        </p:nvSpPr>
+        <p:spPr/>
+        <p:txBody>
+          <a:bodyPr/>
+          <a:lstStyle/>
+          <a:p>
+            <a:fld id="{F5FE80BE-4CD7-488A-8C72-B80CE1FB67C9}" type="slidenum">
+              <a:rPr lang="en-US" smtClean="0"/>
+              <a:t>6</a:t>
+            </a:fld>
+            <a:endParaRPr lang="en-US"/>
+          </a:p>
+        </p:txBody>
+      </p:sp>
+    </p:spTree>
+    <p:extLst>
+      <p:ext uri="{BB962C8B-B14F-4D97-AF65-F5344CB8AC3E}">
+        <p14:creationId xmlns:p14="http://schemas.microsoft.com/office/powerpoint/2010/main" val="2516043086"/>
+      </p:ext>
+    </p:extLst>
+  </p:cSld>
+  <p:clrMapOvr>
+    <a:masterClrMapping/>
+  </p:clrMapOvr>
+</p:notes>
+</file>
+
+<file path=ppt/notesSlides/notesSlide7.xml><?xml version="1.0" encoding="utf-8"?>
+<p:notes xmlns:a="http://schemas.openxmlformats.org/drawingml/2006/main" xmlns:r="http://schemas.openxmlformats.org/officeDocument/2006/relationships" xmlns:p="http://schemas.openxmlformats.org/presentationml/2006/main">
+  <p:cSld>
+    <p:spTree>
+      <p:nvGrpSpPr>
+        <p:cNvPr id="1" name=""/>
+        <p:cNvGrpSpPr/>
+        <p:nvPr/>
+      </p:nvGrpSpPr>
+      <p:grpSpPr>
+        <a:xfrm>
+          <a:off x="0" y="0"/>
+          <a:ext cx="0" cy="0"/>
+          <a:chOff x="0" y="0"/>
+          <a:chExt cx="0" cy="0"/>
+        </a:xfrm>
+      </p:grpSpPr>
+      <p:sp>
+        <p:nvSpPr>
+          <p:cNvPr id="2" name="Slide Image Placeholder 1"/>
+          <p:cNvSpPr>
+            <a:spLocks noGrp="1" noRot="1" noChangeAspect="1"/>
+          </p:cNvSpPr>
+          <p:nvPr>
+            <p:ph type="sldImg"/>
+          </p:nvPr>
+        </p:nvSpPr>
+        <p:spPr/>
+      </p:sp>
+      <p:sp>
+        <p:nvSpPr>
+          <p:cNvPr id="3" name="Notes Placeholder 2"/>
+          <p:cNvSpPr>
+            <a:spLocks noGrp="1"/>
+          </p:cNvSpPr>
+          <p:nvPr>
+            <p:ph type="body" idx="1"/>
+          </p:nvPr>
+        </p:nvSpPr>
+        <p:spPr/>
+        <p:txBody>
+          <a:bodyPr/>
+          <a:lstStyle/>
+          <a:p>
+            <a:endParaRPr lang="en-US" dirty="0"/>
+          </a:p>
+        </p:txBody>
+      </p:sp>
+      <p:sp>
+        <p:nvSpPr>
+          <p:cNvPr id="4" name="Slide Number Placeholder 3"/>
+          <p:cNvSpPr>
+            <a:spLocks noGrp="1"/>
+          </p:cNvSpPr>
+          <p:nvPr>
+            <p:ph type="sldNum" sz="quarter" idx="5"/>
+          </p:nvPr>
+        </p:nvSpPr>
+        <p:spPr/>
+        <p:txBody>
+          <a:bodyPr/>
+          <a:lstStyle/>
+          <a:p>
+            <a:fld id="{F5FE80BE-4CD7-488A-8C72-B80CE1FB67C9}" type="slidenum">
+              <a:rPr lang="en-US" smtClean="0"/>
+              <a:t>7</a:t>
+            </a:fld>
+            <a:endParaRPr lang="en-US"/>
+          </a:p>
+        </p:txBody>
+      </p:sp>
+    </p:spTree>
+    <p:extLst>
+      <p:ext uri="{BB962C8B-B14F-4D97-AF65-F5344CB8AC3E}">
+        <p14:creationId xmlns:p14="http://schemas.microsoft.com/office/powerpoint/2010/main" val="16523977"/>
+      </p:ext>
+    </p:extLst>
+  </p:cSld>
+  <p:clrMapOvr>
+    <a:masterClrMapping/>
+  </p:clrMapOvr>
+</p:notes>
+</file>
+
+<file path=ppt/notesSlides/notesSlide8.xml><?xml version="1.0" encoding="utf-8"?>
+<p:notes xmlns:a="http://schemas.openxmlformats.org/drawingml/2006/main" xmlns:r="http://schemas.openxmlformats.org/officeDocument/2006/relationships" xmlns:p="http://schemas.openxmlformats.org/presentationml/2006/main">
+  <p:cSld>
+    <p:spTree>
+      <p:nvGrpSpPr>
+        <p:cNvPr id="1" name=""/>
+        <p:cNvGrpSpPr/>
+        <p:nvPr/>
+      </p:nvGrpSpPr>
+      <p:grpSpPr>
+        <a:xfrm>
+          <a:off x="0" y="0"/>
+          <a:ext cx="0" cy="0"/>
+          <a:chOff x="0" y="0"/>
+          <a:chExt cx="0" cy="0"/>
+        </a:xfrm>
+      </p:grpSpPr>
+      <p:sp>
+        <p:nvSpPr>
+          <p:cNvPr id="2" name="Slide Image Placeholder 1"/>
+          <p:cNvSpPr>
+            <a:spLocks noGrp="1" noRot="1" noChangeAspect="1"/>
+          </p:cNvSpPr>
+          <p:nvPr>
+            <p:ph type="sldImg"/>
+          </p:nvPr>
+        </p:nvSpPr>
+        <p:spPr/>
+      </p:sp>
+      <p:sp>
+        <p:nvSpPr>
+          <p:cNvPr id="3" name="Notes Placeholder 2"/>
+          <p:cNvSpPr>
+            <a:spLocks noGrp="1"/>
+          </p:cNvSpPr>
+          <p:nvPr>
+            <p:ph type="body" idx="1"/>
+          </p:nvPr>
+        </p:nvSpPr>
+        <p:spPr/>
+        <p:txBody>
+          <a:bodyPr/>
+          <a:lstStyle/>
+          <a:p>
+            <a:r>
+              <a:rPr lang="en-US" dirty="0"/>
               <a:t>This is from the </a:t>
             </a:r>
             <a:r>
@@ -1126,6 +1412,100 @@
     <p:extLst>
       <p:ext uri="{BB962C8B-B14F-4D97-AF65-F5344CB8AC3E}">
         <p14:creationId xmlns:p14="http://schemas.microsoft.com/office/powerpoint/2010/main" val="2209770100"/>
+      </p:ext>
+    </p:extLst>
+  </p:cSld>
+  <p:clrMapOvr>
+    <a:masterClrMapping/>
+  </p:clrMapOvr>
+</p:notes>
+</file>
+
+<file path=ppt/notesSlides/notesSlide9.xml><?xml version="1.0" encoding="utf-8"?>
+<p:notes xmlns:a="http://schemas.openxmlformats.org/drawingml/2006/main" xmlns:r="http://schemas.openxmlformats.org/officeDocument/2006/relationships" xmlns:p="http://schemas.openxmlformats.org/presentationml/2006/main">
+  <p:cSld>
+    <p:spTree>
+      <p:nvGrpSpPr>
+        <p:cNvPr id="1" name=""/>
+        <p:cNvGrpSpPr/>
+        <p:nvPr/>
+      </p:nvGrpSpPr>
+      <p:grpSpPr>
+        <a:xfrm>
+          <a:off x="0" y="0"/>
+          <a:ext cx="0" cy="0"/>
+          <a:chOff x="0" y="0"/>
+          <a:chExt cx="0" cy="0"/>
+        </a:xfrm>
+      </p:grpSpPr>
+      <p:sp>
+        <p:nvSpPr>
+          <p:cNvPr id="2" name="Slide Image Placeholder 1"/>
+          <p:cNvSpPr>
+            <a:spLocks noGrp="1" noRot="1" noChangeAspect="1"/>
+          </p:cNvSpPr>
+          <p:nvPr>
+            <p:ph type="sldImg"/>
+          </p:nvPr>
+        </p:nvSpPr>
+        <p:spPr/>
+      </p:sp>
+      <p:sp>
+        <p:nvSpPr>
+          <p:cNvPr id="3" name="Notes Placeholder 2"/>
+          <p:cNvSpPr>
+            <a:spLocks noGrp="1"/>
+          </p:cNvSpPr>
+          <p:nvPr>
+            <p:ph type="body" idx="1"/>
+          </p:nvPr>
+        </p:nvSpPr>
+        <p:spPr/>
+        <p:txBody>
+          <a:bodyPr/>
+          <a:lstStyle/>
+          <a:p>
+            <a:r>
+              <a:rPr lang="en-US" dirty="0"/>
+              <a:t>source: </a:t>
+            </a:r>
+            <a:r>
+              <a:rPr lang="en-US" dirty="0">
+                <a:hlinkClick r:id="rId3"/>
+              </a:rPr>
+              <a:t>https://www.jscape.com/blog/ssl-vs-ssh-simplified</a:t>
+            </a:r>
+            <a:endParaRPr lang="en-US" dirty="0"/>
+          </a:p>
+        </p:txBody>
+      </p:sp>
+      <p:sp>
+        <p:nvSpPr>
+          <p:cNvPr id="4" name="Slide Number Placeholder 3"/>
+          <p:cNvSpPr>
+            <a:spLocks noGrp="1"/>
+          </p:cNvSpPr>
+          <p:nvPr>
+            <p:ph type="sldNum" sz="quarter" idx="5"/>
+          </p:nvPr>
+        </p:nvSpPr>
+        <p:spPr/>
+        <p:txBody>
+          <a:bodyPr/>
+          <a:lstStyle/>
+          <a:p>
+            <a:fld id="{F5FE80BE-4CD7-488A-8C72-B80CE1FB67C9}" type="slidenum">
+              <a:rPr lang="en-US" smtClean="0"/>
+              <a:t>12</a:t>
+            </a:fld>
+            <a:endParaRPr lang="en-US"/>
+          </a:p>
+        </p:txBody>
+      </p:sp>
+    </p:spTree>
+    <p:extLst>
+      <p:ext uri="{BB962C8B-B14F-4D97-AF65-F5344CB8AC3E}">
+        <p14:creationId xmlns:p14="http://schemas.microsoft.com/office/powerpoint/2010/main" val="306246043"/>
       </p:ext>
     </p:extLst>
   </p:cSld>
@@ -4642,7 +5022,7 @@
     <p:bg>
       <p:bgPr>
         <a:blipFill dpi="0" rotWithShape="1">
-          <a:blip r:embed="rId2">
+          <a:blip r:embed="rId3">
             <a:lum/>
           </a:blip>
           <a:srcRect/>
@@ -4794,6 +5174,197 @@
 </p:sld>
 </file>
 
+<file path=ppt/slides/slide11.xml><?xml version="1.0" encoding="utf-8"?>
+<p:sld xmlns:a="http://schemas.openxmlformats.org/drawingml/2006/main" xmlns:r="http://schemas.openxmlformats.org/officeDocument/2006/relationships" xmlns:p="http://schemas.openxmlformats.org/presentationml/2006/main">
+  <p:cSld>
+    <p:spTree>
+      <p:nvGrpSpPr>
+        <p:cNvPr id="1" name=""/>
+        <p:cNvGrpSpPr/>
+        <p:nvPr/>
+      </p:nvGrpSpPr>
+      <p:grpSpPr>
+        <a:xfrm>
+          <a:off x="0" y="0"/>
+          <a:ext cx="0" cy="0"/>
+          <a:chOff x="0" y="0"/>
+          <a:chExt cx="0" cy="0"/>
+        </a:xfrm>
+      </p:grpSpPr>
+      <p:sp>
+        <p:nvSpPr>
+          <p:cNvPr id="2" name="Title 1">
+            <a:extLst>
+              <a:ext uri="{FF2B5EF4-FFF2-40B4-BE49-F238E27FC236}">
+                <a16:creationId xmlns:a16="http://schemas.microsoft.com/office/drawing/2014/main" id="{78BCD8E3-07B6-4740-A4F2-6A300071C2E3}"/>
+              </a:ext>
+            </a:extLst>
+          </p:cNvPr>
+          <p:cNvSpPr>
+            <a:spLocks noGrp="1"/>
+          </p:cNvSpPr>
+          <p:nvPr>
+            <p:ph type="title"/>
+          </p:nvPr>
+        </p:nvSpPr>
+        <p:spPr/>
+        <p:txBody>
+          <a:bodyPr/>
+          <a:lstStyle/>
+          <a:p>
+            <a:pPr algn="r"/>
+            <a:r>
+              <a:rPr lang="en-US" dirty="0"/>
+              <a:t>Appendix</a:t>
+            </a:r>
+          </a:p>
+        </p:txBody>
+      </p:sp>
+    </p:spTree>
+    <p:extLst>
+      <p:ext uri="{BB962C8B-B14F-4D97-AF65-F5344CB8AC3E}">
+        <p14:creationId xmlns:p14="http://schemas.microsoft.com/office/powerpoint/2010/main" val="4186439787"/>
+      </p:ext>
+    </p:extLst>
+  </p:cSld>
+  <p:clrMapOvr>
+    <a:masterClrMapping/>
+  </p:clrMapOvr>
+</p:sld>
+</file>
+
+<file path=ppt/slides/slide12.xml><?xml version="1.0" encoding="utf-8"?>
+<p:sld xmlns:a="http://schemas.openxmlformats.org/drawingml/2006/main" xmlns:r="http://schemas.openxmlformats.org/officeDocument/2006/relationships" xmlns:p="http://schemas.openxmlformats.org/presentationml/2006/main">
+  <p:cSld>
+    <p:spTree>
+      <p:nvGrpSpPr>
+        <p:cNvPr id="1" name=""/>
+        <p:cNvGrpSpPr/>
+        <p:nvPr/>
+      </p:nvGrpSpPr>
+      <p:grpSpPr>
+        <a:xfrm>
+          <a:off x="0" y="0"/>
+          <a:ext cx="0" cy="0"/>
+          <a:chOff x="0" y="0"/>
+          <a:chExt cx="0" cy="0"/>
+        </a:xfrm>
+      </p:grpSpPr>
+      <p:sp>
+        <p:nvSpPr>
+          <p:cNvPr id="2" name="Title 1">
+            <a:extLst>
+              <a:ext uri="{FF2B5EF4-FFF2-40B4-BE49-F238E27FC236}">
+                <a16:creationId xmlns:a16="http://schemas.microsoft.com/office/drawing/2014/main" id="{976AC594-9ABE-C24C-BB39-09594C13A154}"/>
+              </a:ext>
+            </a:extLst>
+          </p:cNvPr>
+          <p:cNvSpPr>
+            <a:spLocks noGrp="1"/>
+          </p:cNvSpPr>
+          <p:nvPr>
+            <p:ph type="title"/>
+          </p:nvPr>
+        </p:nvSpPr>
+        <p:spPr/>
+        <p:txBody>
+          <a:bodyPr>
+            <a:normAutofit fontScale="90000"/>
+          </a:bodyPr>
+          <a:lstStyle/>
+          <a:p>
+            <a:pPr algn="r"/>
+            <a:r>
+              <a:rPr lang="en-US" dirty="0">
+                <a:effectLst/>
+              </a:rPr>
+              <a:t>Data-in-motion encryption</a:t>
+            </a:r>
+            <a:endParaRPr lang="en-US" dirty="0"/>
+          </a:p>
+        </p:txBody>
+      </p:sp>
+      <p:pic>
+        <p:nvPicPr>
+          <p:cNvPr id="4" name="Picture 3">
+            <a:extLst>
+              <a:ext uri="{FF2B5EF4-FFF2-40B4-BE49-F238E27FC236}">
+                <a16:creationId xmlns:a16="http://schemas.microsoft.com/office/drawing/2014/main" id="{46C52B90-BE5E-E54E-979E-8A9D68D6F86E}"/>
+              </a:ext>
+            </a:extLst>
+          </p:cNvPr>
+          <p:cNvPicPr>
+            <a:picLocks noChangeAspect="1"/>
+          </p:cNvPicPr>
+          <p:nvPr/>
+        </p:nvPicPr>
+        <p:blipFill>
+          <a:blip r:embed="rId3"/>
+          <a:stretch>
+            <a:fillRect/>
+          </a:stretch>
+        </p:blipFill>
+        <p:spPr>
+          <a:xfrm>
+            <a:off x="3067603" y="1439961"/>
+            <a:ext cx="5474727" cy="2810360"/>
+          </a:xfrm>
+          <a:prstGeom prst="rect">
+            <a:avLst/>
+          </a:prstGeom>
+        </p:spPr>
+      </p:pic>
+      <p:sp>
+        <p:nvSpPr>
+          <p:cNvPr id="5" name="TextBox 4">
+            <a:extLst>
+              <a:ext uri="{FF2B5EF4-FFF2-40B4-BE49-F238E27FC236}">
+                <a16:creationId xmlns:a16="http://schemas.microsoft.com/office/drawing/2014/main" id="{F9B87E49-D5E7-3E4C-A65C-131E0F590C90}"/>
+              </a:ext>
+            </a:extLst>
+          </p:cNvPr>
+          <p:cNvSpPr txBox="1"/>
+          <p:nvPr/>
+        </p:nvSpPr>
+        <p:spPr>
+          <a:xfrm>
+            <a:off x="7861759" y="4683759"/>
+            <a:ext cx="680571" cy="307777"/>
+          </a:xfrm>
+          <a:prstGeom prst="rect">
+            <a:avLst/>
+          </a:prstGeom>
+          <a:noFill/>
+        </p:spPr>
+        <p:txBody>
+          <a:bodyPr wrap="none" rtlCol="0">
+            <a:spAutoFit/>
+          </a:bodyPr>
+          <a:lstStyle/>
+          <a:p>
+            <a:r>
+              <a:rPr lang="en-US" sz="1400" dirty="0">
+                <a:hlinkClick r:id="rId4"/>
+              </a:rPr>
+              <a:t>Source</a:t>
+            </a:r>
+            <a:endParaRPr lang="en-US" sz="1400" dirty="0"/>
+          </a:p>
+        </p:txBody>
+      </p:sp>
+    </p:spTree>
+    <p:extLst>
+      <p:ext uri="{BB962C8B-B14F-4D97-AF65-F5344CB8AC3E}">
+        <p14:creationId xmlns:p14="http://schemas.microsoft.com/office/powerpoint/2010/main" val="2711682924"/>
+      </p:ext>
+    </p:extLst>
+  </p:cSld>
+  <p:clrMapOvr>
+    <a:masterClrMapping/>
+  </p:clrMapOvr>
+</p:sld>
+</file>
+
 <file path=ppt/slides/slide2.xml><?xml version="1.0" encoding="utf-8"?>
 <p:sld xmlns:a="http://schemas.openxmlformats.org/drawingml/2006/main" xmlns:r="http://schemas.openxmlformats.org/officeDocument/2006/relationships" xmlns:p="http://schemas.openxmlformats.org/presentationml/2006/main">
   <p:cSld>
@@ -4886,7 +5457,7 @@
           <p:nvPr/>
         </p:nvPicPr>
         <p:blipFill rotWithShape="1">
-          <a:blip r:embed="rId2"/>
+          <a:blip r:embed="rId3"/>
           <a:srcRect b="16957"/>
           <a:stretch/>
         </p:blipFill>
@@ -5018,7 +5589,7 @@
           <p:nvPr/>
         </p:nvPicPr>
         <p:blipFill rotWithShape="1">
-          <a:blip r:embed="rId2"/>
+          <a:blip r:embed="rId3"/>
           <a:srcRect t="-1" b="23276"/>
           <a:stretch/>
         </p:blipFill>
@@ -5269,7 +5840,7 @@
             <a:pPr lvl="1"/>
             <a:r>
               <a:rPr lang="en-US" dirty="0"/>
-              <a:t>AWS and on my computer</a:t>
+              <a:t>Google, AWS and on my computer</a:t>
             </a:r>
           </a:p>
           <a:p>
